--- a/Figures/instruments.pptx
+++ b/Figures/instruments.pptx
@@ -288,7 +288,7 @@
           <a:p>
             <a:fld id="{D682A41F-CD0A-0C42-A4AB-CB5BD4D28906}" type="datetimeFigureOut">
               <a:rPr lang="en-US" smtClean="0"/>
-              <a:t>5/28/17</a:t>
+              <a:t>5/30/17</a:t>
             </a:fld>
             <a:endParaRPr lang="en-US"/>
           </a:p>
@@ -458,7 +458,7 @@
           <a:p>
             <a:fld id="{D682A41F-CD0A-0C42-A4AB-CB5BD4D28906}" type="datetimeFigureOut">
               <a:rPr lang="en-US" smtClean="0"/>
-              <a:t>5/28/17</a:t>
+              <a:t>5/30/17</a:t>
             </a:fld>
             <a:endParaRPr lang="en-US"/>
           </a:p>
@@ -638,7 +638,7 @@
           <a:p>
             <a:fld id="{D682A41F-CD0A-0C42-A4AB-CB5BD4D28906}" type="datetimeFigureOut">
               <a:rPr lang="en-US" smtClean="0"/>
-              <a:t>5/28/17</a:t>
+              <a:t>5/30/17</a:t>
             </a:fld>
             <a:endParaRPr lang="en-US"/>
           </a:p>
@@ -808,7 +808,7 @@
           <a:p>
             <a:fld id="{D682A41F-CD0A-0C42-A4AB-CB5BD4D28906}" type="datetimeFigureOut">
               <a:rPr lang="en-US" smtClean="0"/>
-              <a:t>5/28/17</a:t>
+              <a:t>5/30/17</a:t>
             </a:fld>
             <a:endParaRPr lang="en-US"/>
           </a:p>
@@ -1054,7 +1054,7 @@
           <a:p>
             <a:fld id="{D682A41F-CD0A-0C42-A4AB-CB5BD4D28906}" type="datetimeFigureOut">
               <a:rPr lang="en-US" smtClean="0"/>
-              <a:t>5/28/17</a:t>
+              <a:t>5/30/17</a:t>
             </a:fld>
             <a:endParaRPr lang="en-US"/>
           </a:p>
@@ -1342,7 +1342,7 @@
           <a:p>
             <a:fld id="{D682A41F-CD0A-0C42-A4AB-CB5BD4D28906}" type="datetimeFigureOut">
               <a:rPr lang="en-US" smtClean="0"/>
-              <a:t>5/28/17</a:t>
+              <a:t>5/30/17</a:t>
             </a:fld>
             <a:endParaRPr lang="en-US"/>
           </a:p>
@@ -1769,7 +1769,7 @@
           <a:p>
             <a:fld id="{D682A41F-CD0A-0C42-A4AB-CB5BD4D28906}" type="datetimeFigureOut">
               <a:rPr lang="en-US" smtClean="0"/>
-              <a:t>5/28/17</a:t>
+              <a:t>5/30/17</a:t>
             </a:fld>
             <a:endParaRPr lang="en-US"/>
           </a:p>
@@ -1887,7 +1887,7 @@
           <a:p>
             <a:fld id="{D682A41F-CD0A-0C42-A4AB-CB5BD4D28906}" type="datetimeFigureOut">
               <a:rPr lang="en-US" smtClean="0"/>
-              <a:t>5/28/17</a:t>
+              <a:t>5/30/17</a:t>
             </a:fld>
             <a:endParaRPr lang="en-US"/>
           </a:p>
@@ -1982,7 +1982,7 @@
           <a:p>
             <a:fld id="{D682A41F-CD0A-0C42-A4AB-CB5BD4D28906}" type="datetimeFigureOut">
               <a:rPr lang="en-US" smtClean="0"/>
-              <a:t>5/28/17</a:t>
+              <a:t>5/30/17</a:t>
             </a:fld>
             <a:endParaRPr lang="en-US"/>
           </a:p>
@@ -2259,7 +2259,7 @@
           <a:p>
             <a:fld id="{D682A41F-CD0A-0C42-A4AB-CB5BD4D28906}" type="datetimeFigureOut">
               <a:rPr lang="en-US" smtClean="0"/>
-              <a:t>5/28/17</a:t>
+              <a:t>5/30/17</a:t>
             </a:fld>
             <a:endParaRPr lang="en-US"/>
           </a:p>
@@ -2512,7 +2512,7 @@
           <a:p>
             <a:fld id="{D682A41F-CD0A-0C42-A4AB-CB5BD4D28906}" type="datetimeFigureOut">
               <a:rPr lang="en-US" smtClean="0"/>
-              <a:t>5/28/17</a:t>
+              <a:t>5/30/17</a:t>
             </a:fld>
             <a:endParaRPr lang="en-US"/>
           </a:p>
@@ -2727,7 +2727,7 @@
             <a:fld id="{D682A41F-CD0A-0C42-A4AB-CB5BD4D28906}" type="datetimeFigureOut">
               <a:rPr lang="en-US" smtClean="0"/>
               <a:pPr/>
-              <a:t>5/28/17</a:t>
+              <a:t>5/30/17</a:t>
             </a:fld>
             <a:endParaRPr lang="en-US" dirty="0"/>
           </a:p>
@@ -4403,8 +4403,8 @@
         </p:nvCxnSpPr>
         <p:spPr>
           <a:xfrm>
-            <a:off x="4558250" y="1765838"/>
-            <a:ext cx="1612383" cy="0"/>
+            <a:off x="4765589" y="1750919"/>
+            <a:ext cx="947250" cy="5775"/>
           </a:xfrm>
           <a:prstGeom prst="line">
             <a:avLst/>
@@ -4434,13 +4434,15 @@
       <p:cxnSp>
         <p:nvCxnSpPr>
           <p:cNvPr id="65" name="Straight Connector 64"/>
-          <p:cNvCxnSpPr/>
+          <p:cNvCxnSpPr>
+            <a:endCxn id="73" idx="1"/>
+          </p:cNvCxnSpPr>
           <p:nvPr/>
         </p:nvCxnSpPr>
         <p:spPr>
           <a:xfrm>
-            <a:off x="6170633" y="1840019"/>
-            <a:ext cx="854161" cy="0"/>
+            <a:off x="6085871" y="1840019"/>
+            <a:ext cx="927133" cy="0"/>
           </a:xfrm>
           <a:prstGeom prst="line">
             <a:avLst/>
@@ -4476,7 +4478,7 @@
         <p:spPr>
           <a:xfrm>
             <a:off x="6901257" y="1750919"/>
-            <a:ext cx="834850" cy="0"/>
+            <a:ext cx="879255" cy="0"/>
           </a:xfrm>
           <a:prstGeom prst="line">
             <a:avLst/>
@@ -4511,7 +4513,7 @@
         </p:nvSpPr>
         <p:spPr>
           <a:xfrm>
-            <a:off x="4961152" y="1739196"/>
+            <a:off x="4961152" y="1785297"/>
             <a:ext cx="689311" cy="276999"/>
           </a:xfrm>
           <a:prstGeom prst="rect">
@@ -5663,6 +5665,114 @@
           </a:p>
         </p:txBody>
       </p:sp>
+      <p:cxnSp>
+        <p:nvCxnSpPr>
+          <p:cNvPr id="70" name="Straight Connector 69"/>
+          <p:cNvCxnSpPr/>
+          <p:nvPr/>
+        </p:nvCxnSpPr>
+        <p:spPr>
+          <a:xfrm>
+            <a:off x="5219033" y="1796585"/>
+            <a:ext cx="1088981" cy="0"/>
+          </a:xfrm>
+          <a:prstGeom prst="line">
+            <a:avLst/>
+          </a:prstGeom>
+          <a:ln>
+            <a:solidFill>
+              <a:srgbClr val="3366FF"/>
+            </a:solidFill>
+          </a:ln>
+          <a:effectLst/>
+        </p:spPr>
+        <p:style>
+          <a:lnRef idx="2">
+            <a:schemeClr val="accent1"/>
+          </a:lnRef>
+          <a:fillRef idx="0">
+            <a:schemeClr val="accent1"/>
+          </a:fillRef>
+          <a:effectRef idx="1">
+            <a:schemeClr val="accent1"/>
+          </a:effectRef>
+          <a:fontRef idx="minor">
+            <a:schemeClr val="tx1"/>
+          </a:fontRef>
+        </p:style>
+      </p:cxnSp>
+      <p:cxnSp>
+        <p:nvCxnSpPr>
+          <p:cNvPr id="75" name="Straight Connector 74"/>
+          <p:cNvCxnSpPr/>
+          <p:nvPr/>
+        </p:nvCxnSpPr>
+        <p:spPr>
+          <a:xfrm>
+            <a:off x="4903953" y="1822627"/>
+            <a:ext cx="100793" cy="95076"/>
+          </a:xfrm>
+          <a:prstGeom prst="line">
+            <a:avLst/>
+          </a:prstGeom>
+          <a:ln w="12700" cmpd="sng">
+            <a:solidFill>
+              <a:schemeClr val="tx1"/>
+            </a:solidFill>
+          </a:ln>
+          <a:effectLst/>
+        </p:spPr>
+        <p:style>
+          <a:lnRef idx="2">
+            <a:schemeClr val="accent1"/>
+          </a:lnRef>
+          <a:fillRef idx="0">
+            <a:schemeClr val="accent1"/>
+          </a:fillRef>
+          <a:effectRef idx="1">
+            <a:schemeClr val="accent1"/>
+          </a:effectRef>
+          <a:fontRef idx="minor">
+            <a:schemeClr val="tx1"/>
+          </a:fontRef>
+        </p:style>
+      </p:cxnSp>
+      <p:cxnSp>
+        <p:nvCxnSpPr>
+          <p:cNvPr id="76" name="Straight Connector 75"/>
+          <p:cNvCxnSpPr/>
+          <p:nvPr/>
+        </p:nvCxnSpPr>
+        <p:spPr>
+          <a:xfrm flipH="1">
+            <a:off x="5613007" y="1840019"/>
+            <a:ext cx="99832" cy="97678"/>
+          </a:xfrm>
+          <a:prstGeom prst="line">
+            <a:avLst/>
+          </a:prstGeom>
+          <a:ln w="12700" cmpd="sng">
+            <a:solidFill>
+              <a:schemeClr val="tx1"/>
+            </a:solidFill>
+          </a:ln>
+          <a:effectLst/>
+        </p:spPr>
+        <p:style>
+          <a:lnRef idx="2">
+            <a:schemeClr val="accent1"/>
+          </a:lnRef>
+          <a:fillRef idx="0">
+            <a:schemeClr val="accent1"/>
+          </a:fillRef>
+          <a:effectRef idx="1">
+            <a:schemeClr val="accent1"/>
+          </a:effectRef>
+          <a:fontRef idx="minor">
+            <a:schemeClr val="tx1"/>
+          </a:fontRef>
+        </p:style>
+      </p:cxnSp>
     </p:spTree>
     <p:extLst>
       <p:ext uri="{BB962C8B-B14F-4D97-AF65-F5344CB8AC3E}">

--- a/Figures/instruments.pptx
+++ b/Figures/instruments.pptx
@@ -288,7 +288,7 @@
           <a:p>
             <a:fld id="{D682A41F-CD0A-0C42-A4AB-CB5BD4D28906}" type="datetimeFigureOut">
               <a:rPr lang="en-US" smtClean="0"/>
-              <a:t>5/30/17</a:t>
+              <a:t>5/31/17</a:t>
             </a:fld>
             <a:endParaRPr lang="en-US"/>
           </a:p>
@@ -458,7 +458,7 @@
           <a:p>
             <a:fld id="{D682A41F-CD0A-0C42-A4AB-CB5BD4D28906}" type="datetimeFigureOut">
               <a:rPr lang="en-US" smtClean="0"/>
-              <a:t>5/30/17</a:t>
+              <a:t>5/31/17</a:t>
             </a:fld>
             <a:endParaRPr lang="en-US"/>
           </a:p>
@@ -638,7 +638,7 @@
           <a:p>
             <a:fld id="{D682A41F-CD0A-0C42-A4AB-CB5BD4D28906}" type="datetimeFigureOut">
               <a:rPr lang="en-US" smtClean="0"/>
-              <a:t>5/30/17</a:t>
+              <a:t>5/31/17</a:t>
             </a:fld>
             <a:endParaRPr lang="en-US"/>
           </a:p>
@@ -808,7 +808,7 @@
           <a:p>
             <a:fld id="{D682A41F-CD0A-0C42-A4AB-CB5BD4D28906}" type="datetimeFigureOut">
               <a:rPr lang="en-US" smtClean="0"/>
-              <a:t>5/30/17</a:t>
+              <a:t>5/31/17</a:t>
             </a:fld>
             <a:endParaRPr lang="en-US"/>
           </a:p>
@@ -1054,7 +1054,7 @@
           <a:p>
             <a:fld id="{D682A41F-CD0A-0C42-A4AB-CB5BD4D28906}" type="datetimeFigureOut">
               <a:rPr lang="en-US" smtClean="0"/>
-              <a:t>5/30/17</a:t>
+              <a:t>5/31/17</a:t>
             </a:fld>
             <a:endParaRPr lang="en-US"/>
           </a:p>
@@ -1342,7 +1342,7 @@
           <a:p>
             <a:fld id="{D682A41F-CD0A-0C42-A4AB-CB5BD4D28906}" type="datetimeFigureOut">
               <a:rPr lang="en-US" smtClean="0"/>
-              <a:t>5/30/17</a:t>
+              <a:t>5/31/17</a:t>
             </a:fld>
             <a:endParaRPr lang="en-US"/>
           </a:p>
@@ -1769,7 +1769,7 @@
           <a:p>
             <a:fld id="{D682A41F-CD0A-0C42-A4AB-CB5BD4D28906}" type="datetimeFigureOut">
               <a:rPr lang="en-US" smtClean="0"/>
-              <a:t>5/30/17</a:t>
+              <a:t>5/31/17</a:t>
             </a:fld>
             <a:endParaRPr lang="en-US"/>
           </a:p>
@@ -1887,7 +1887,7 @@
           <a:p>
             <a:fld id="{D682A41F-CD0A-0C42-A4AB-CB5BD4D28906}" type="datetimeFigureOut">
               <a:rPr lang="en-US" smtClean="0"/>
-              <a:t>5/30/17</a:t>
+              <a:t>5/31/17</a:t>
             </a:fld>
             <a:endParaRPr lang="en-US"/>
           </a:p>
@@ -1982,7 +1982,7 @@
           <a:p>
             <a:fld id="{D682A41F-CD0A-0C42-A4AB-CB5BD4D28906}" type="datetimeFigureOut">
               <a:rPr lang="en-US" smtClean="0"/>
-              <a:t>5/30/17</a:t>
+              <a:t>5/31/17</a:t>
             </a:fld>
             <a:endParaRPr lang="en-US"/>
           </a:p>
@@ -2259,7 +2259,7 @@
           <a:p>
             <a:fld id="{D682A41F-CD0A-0C42-A4AB-CB5BD4D28906}" type="datetimeFigureOut">
               <a:rPr lang="en-US" smtClean="0"/>
-              <a:t>5/30/17</a:t>
+              <a:t>5/31/17</a:t>
             </a:fld>
             <a:endParaRPr lang="en-US"/>
           </a:p>
@@ -2512,7 +2512,7 @@
           <a:p>
             <a:fld id="{D682A41F-CD0A-0C42-A4AB-CB5BD4D28906}" type="datetimeFigureOut">
               <a:rPr lang="en-US" smtClean="0"/>
-              <a:t>5/30/17</a:t>
+              <a:t>5/31/17</a:t>
             </a:fld>
             <a:endParaRPr lang="en-US"/>
           </a:p>
@@ -2727,7 +2727,7 @@
             <a:fld id="{D682A41F-CD0A-0C42-A4AB-CB5BD4D28906}" type="datetimeFigureOut">
               <a:rPr lang="en-US" smtClean="0"/>
               <a:pPr/>
-              <a:t>5/30/17</a:t>
+              <a:t>5/31/17</a:t>
             </a:fld>
             <a:endParaRPr lang="en-US" dirty="0"/>
           </a:p>
@@ -4713,13 +4713,15 @@
       <p:cxnSp>
         <p:nvCxnSpPr>
           <p:cNvPr id="83" name="Straight Connector 82"/>
-          <p:cNvCxnSpPr/>
+          <p:cNvCxnSpPr>
+            <a:endCxn id="77" idx="0"/>
+          </p:cNvCxnSpPr>
           <p:nvPr/>
         </p:nvCxnSpPr>
         <p:spPr>
-          <a:xfrm>
-            <a:off x="4465499" y="2149838"/>
-            <a:ext cx="495653" cy="0"/>
+          <a:xfrm flipV="1">
+            <a:off x="4465499" y="2116487"/>
+            <a:ext cx="2388465" cy="0"/>
           </a:xfrm>
           <a:prstGeom prst="line">
             <a:avLst/>
@@ -4756,8 +4758,8 @@
         </p:nvSpPr>
         <p:spPr>
           <a:xfrm>
-            <a:off x="4308999" y="2124148"/>
-            <a:ext cx="843425" cy="276999"/>
+            <a:off x="5219033" y="2112074"/>
+            <a:ext cx="612292" cy="276999"/>
           </a:xfrm>
           <a:prstGeom prst="rect">
             <a:avLst/>
@@ -4782,92 +4784,7 @@
                 </a:solidFill>
                 <a:latin typeface="Arial"/>
               </a:rPr>
-              <a:t>GR700_2</a:t>
-            </a:r>
-            <a:endParaRPr lang="en-US" sz="1200" dirty="0">
-              <a:solidFill>
-                <a:schemeClr val="accent6">
-                  <a:lumMod val="75000"/>
-                </a:schemeClr>
-              </a:solidFill>
-              <a:latin typeface="Arial"/>
-            </a:endParaRPr>
-          </a:p>
-        </p:txBody>
-      </p:sp>
-      <p:cxnSp>
-        <p:nvCxnSpPr>
-          <p:cNvPr id="86" name="Straight Connector 85"/>
-          <p:cNvCxnSpPr/>
-          <p:nvPr/>
-        </p:nvCxnSpPr>
-        <p:spPr>
-          <a:xfrm>
-            <a:off x="5243718" y="2142514"/>
-            <a:ext cx="1227118" cy="0"/>
-          </a:xfrm>
-          <a:prstGeom prst="line">
-            <a:avLst/>
-          </a:prstGeom>
-          <a:ln>
-            <a:solidFill>
-              <a:schemeClr val="accent6">
-                <a:lumMod val="75000"/>
-              </a:schemeClr>
-            </a:solidFill>
-          </a:ln>
-          <a:effectLst/>
-        </p:spPr>
-        <p:style>
-          <a:lnRef idx="2">
-            <a:schemeClr val="accent1"/>
-          </a:lnRef>
-          <a:fillRef idx="0">
-            <a:schemeClr val="accent1"/>
-          </a:fillRef>
-          <a:effectRef idx="1">
-            <a:schemeClr val="accent1"/>
-          </a:effectRef>
-          <a:fontRef idx="minor">
-            <a:schemeClr val="tx1"/>
-          </a:fontRef>
-        </p:style>
-      </p:cxnSp>
-      <p:sp>
-        <p:nvSpPr>
-          <p:cNvPr id="87" name="TextBox 86"/>
-          <p:cNvSpPr txBox="1"/>
-          <p:nvPr/>
-        </p:nvSpPr>
-        <p:spPr>
-          <a:xfrm>
-            <a:off x="5424696" y="2134586"/>
-            <a:ext cx="843425" cy="276999"/>
-          </a:xfrm>
-          <a:prstGeom prst="rect">
-            <a:avLst/>
-          </a:prstGeom>
-          <a:noFill/>
-          <a:ln>
-            <a:noFill/>
-          </a:ln>
-        </p:spPr>
-        <p:txBody>
-          <a:bodyPr wrap="none" rtlCol="0">
-            <a:spAutoFit/>
-          </a:bodyPr>
-          <a:lstStyle/>
-          <a:p>
-            <a:r>
-              <a:rPr lang="en-US" sz="1200" dirty="0" smtClean="0">
-                <a:solidFill>
-                  <a:schemeClr val="accent6">
-                    <a:lumMod val="75000"/>
-                  </a:schemeClr>
-                </a:solidFill>
-                <a:latin typeface="Arial"/>
-              </a:rPr>
-              <a:t>GR700_1</a:t>
+              <a:t>SOSS</a:t>
             </a:r>
             <a:endParaRPr lang="en-US" sz="1200" dirty="0">
               <a:solidFill>
